--- a/ASMU432/ppts/History_Rock_Intro.pptx
+++ b/ASMU432/ppts/History_Rock_Intro.pptx
@@ -151,10 +151,6 @@
 </p:presentation>
 </file>
 
-<file path=ppt/revisionInfo.xml><?xml version="1.0" encoding="utf-8"?>
-<p1510:revInfo xmlns:a="http://schemas.openxmlformats.org/drawingml/2006/main" xmlns:r="http://schemas.openxmlformats.org/officeDocument/2006/relationships" xmlns:p1510="http://schemas.microsoft.com/office/powerpoint/2015/10/main"/>
-</file>
-
 <file path=ppt/notesMasters/notesMaster1.xml><?xml version="1.0" encoding="utf-8"?>
 <p:notesMaster xmlns:a="http://schemas.openxmlformats.org/drawingml/2006/main" xmlns:r="http://schemas.openxmlformats.org/officeDocument/2006/relationships" xmlns:p="http://schemas.openxmlformats.org/presentationml/2006/main">
   <p:cSld>
@@ -238,7 +234,7 @@
             <a:fld id="{E28287AA-0D99-42CE-A71B-10FA9908BBF8}" type="datetimeFigureOut">
               <a:rPr lang="en-US" smtClean="0"/>
               <a:pPr/>
-              <a:t>1/11/2018</a:t>
+              <a:t>9/23/2018</a:t>
             </a:fld>
             <a:endParaRPr lang="en-US"/>
           </a:p>
@@ -1859,7 +1855,7 @@
             <a:fld id="{DCFA480D-CB17-4C49-BB2A-C7514E1C7CEA}" type="datetimeFigureOut">
               <a:rPr lang="en-US" smtClean="0"/>
               <a:pPr/>
-              <a:t>1/11/2018</a:t>
+              <a:t>9/23/2018</a:t>
             </a:fld>
             <a:endParaRPr lang="en-US"/>
           </a:p>
@@ -2025,7 +2021,7 @@
             <a:fld id="{DCFA480D-CB17-4C49-BB2A-C7514E1C7CEA}" type="datetimeFigureOut">
               <a:rPr lang="en-US" smtClean="0"/>
               <a:pPr/>
-              <a:t>1/11/2018</a:t>
+              <a:t>9/23/2018</a:t>
             </a:fld>
             <a:endParaRPr lang="en-US"/>
           </a:p>
@@ -2200,7 +2196,7 @@
             <a:fld id="{DCFA480D-CB17-4C49-BB2A-C7514E1C7CEA}" type="datetimeFigureOut">
               <a:rPr lang="en-US" smtClean="0"/>
               <a:pPr/>
-              <a:t>1/11/2018</a:t>
+              <a:t>9/23/2018</a:t>
             </a:fld>
             <a:endParaRPr lang="en-US"/>
           </a:p>
@@ -2349,7 +2345,7 @@
             <a:fld id="{DCFA480D-CB17-4C49-BB2A-C7514E1C7CEA}" type="datetimeFigureOut">
               <a:rPr lang="en-US" smtClean="0"/>
               <a:pPr/>
-              <a:t>1/11/2018</a:t>
+              <a:t>9/23/2018</a:t>
             </a:fld>
             <a:endParaRPr lang="en-US"/>
           </a:p>
@@ -2473,7 +2469,7 @@
             <a:fld id="{DCFA480D-CB17-4C49-BB2A-C7514E1C7CEA}" type="datetimeFigureOut">
               <a:rPr lang="en-US" smtClean="0"/>
               <a:pPr/>
-              <a:t>1/11/2018</a:t>
+              <a:t>9/23/2018</a:t>
             </a:fld>
             <a:endParaRPr lang="en-US" dirty="0"/>
           </a:p>
@@ -2745,7 +2741,7 @@
             <a:fld id="{DCFA480D-CB17-4C49-BB2A-C7514E1C7CEA}" type="datetimeFigureOut">
               <a:rPr lang="en-US" smtClean="0"/>
               <a:pPr/>
-              <a:t>1/11/2018</a:t>
+              <a:t>9/23/2018</a:t>
             </a:fld>
             <a:endParaRPr lang="en-US" dirty="0"/>
           </a:p>
@@ -3017,7 +3013,7 @@
             <a:fld id="{DCFA480D-CB17-4C49-BB2A-C7514E1C7CEA}" type="datetimeFigureOut">
               <a:rPr lang="en-US" smtClean="0"/>
               <a:pPr/>
-              <a:t>1/11/2018</a:t>
+              <a:t>9/23/2018</a:t>
             </a:fld>
             <a:endParaRPr lang="en-US" dirty="0"/>
           </a:p>
@@ -3465,7 +3461,7 @@
             <a:fld id="{DCFA480D-CB17-4C49-BB2A-C7514E1C7CEA}" type="datetimeFigureOut">
               <a:rPr lang="en-US" smtClean="0"/>
               <a:pPr/>
-              <a:t>1/11/2018</a:t>
+              <a:t>9/23/2018</a:t>
             </a:fld>
             <a:endParaRPr lang="en-US" dirty="0"/>
           </a:p>
@@ -3580,7 +3576,7 @@
             <a:fld id="{DCFA480D-CB17-4C49-BB2A-C7514E1C7CEA}" type="datetimeFigureOut">
               <a:rPr lang="en-US" smtClean="0"/>
               <a:pPr/>
-              <a:t>1/11/2018</a:t>
+              <a:t>9/23/2018</a:t>
             </a:fld>
             <a:endParaRPr lang="en-US" dirty="0"/>
           </a:p>
@@ -3832,7 +3828,7 @@
             <a:fld id="{DCFA480D-CB17-4C49-BB2A-C7514E1C7CEA}" type="datetimeFigureOut">
               <a:rPr lang="en-US" smtClean="0"/>
               <a:pPr/>
-              <a:t>1/11/2018</a:t>
+              <a:t>9/23/2018</a:t>
             </a:fld>
             <a:endParaRPr lang="en-US"/>
           </a:p>
@@ -4075,7 +4071,7 @@
             <a:fld id="{DCFA480D-CB17-4C49-BB2A-C7514E1C7CEA}" type="datetimeFigureOut">
               <a:rPr lang="en-US" smtClean="0"/>
               <a:pPr/>
-              <a:t>1/11/2018</a:t>
+              <a:t>9/23/2018</a:t>
             </a:fld>
             <a:endParaRPr lang="en-US"/>
           </a:p>
@@ -4251,7 +4247,7 @@
             <a:fld id="{DCFA480D-CB17-4C49-BB2A-C7514E1C7CEA}" type="datetimeFigureOut">
               <a:rPr lang="en-US" smtClean="0"/>
               <a:pPr/>
-              <a:t>1/11/2018</a:t>
+              <a:t>9/23/2018</a:t>
             </a:fld>
             <a:endParaRPr lang="en-US" sz="1200" dirty="0">
               <a:solidFill>
@@ -4762,7 +4758,12 @@
             <p:ph type="subTitle" idx="1"/>
           </p:nvPr>
         </p:nvSpPr>
-        <p:spPr/>
+        <p:spPr>
+          <a:xfrm>
+            <a:off x="419100" y="5029200"/>
+            <a:ext cx="8305800" cy="1143000"/>
+          </a:xfrm>
+        </p:spPr>
         <p:txBody>
           <a:bodyPr/>
           <a:lstStyle/>
@@ -4792,53 +4793,41 @@
         </p:nvSpPr>
         <p:spPr>
           <a:xfrm>
-            <a:off x="457200" y="304800"/>
-            <a:ext cx="8305800" cy="3110132"/>
+            <a:off x="419100" y="228600"/>
+            <a:ext cx="8420100" cy="3048000"/>
           </a:xfrm>
         </p:spPr>
         <p:txBody>
           <a:bodyPr/>
           <a:lstStyle/>
           <a:p>
-            <a:r>
-              <a:rPr lang="en-US" sz="6600" b="1" dirty="0">
+            <a:pPr fontAlgn="t"/>
+            <a:r>
+              <a:rPr lang="en-US" sz="4400" b="1" dirty="0">
                 <a:solidFill>
-                  <a:schemeClr val="bg1"/>
-                </a:solidFill>
-              </a:rPr>
-              <a:t>HSTR 121: </a:t>
-            </a:r>
-            <a:r>
-              <a:rPr lang="en-US" b="1" dirty="0">
-                <a:solidFill>
-                  <a:schemeClr val="bg1"/>
+                  <a:srgbClr val="C00000"/>
                 </a:solidFill>
                 <a:effectLst/>
               </a:rPr>
-              <a:t>History, Music and the American Century </a:t>
+              <a:t>ASMU432: A History of Rock and Roll:</a:t>
             </a:r>
             <a:br>
-              <a:rPr lang="en-US" b="1" dirty="0">
+              <a:rPr lang="en-US" sz="4400" b="1" dirty="0">
                 <a:solidFill>
-                  <a:schemeClr val="bg1"/>
+                  <a:srgbClr val="C00000"/>
                 </a:solidFill>
                 <a:effectLst/>
               </a:rPr>
             </a:br>
             <a:r>
-              <a:rPr lang="en-US" b="1" dirty="0">
+              <a:rPr lang="en-US" sz="4400" b="1" dirty="0">
                 <a:solidFill>
-                  <a:schemeClr val="bg1"/>
+                  <a:srgbClr val="C00000"/>
                 </a:solidFill>
                 <a:effectLst/>
               </a:rPr>
-              <a:t>(counter-culture and capitalism)</a:t>
-            </a:r>
-            <a:endParaRPr lang="en-US" sz="6600" b="1" dirty="0">
-              <a:solidFill>
-                <a:schemeClr val="bg1"/>
-              </a:solidFill>
-            </a:endParaRPr>
+              <a:t>From the Mississippi Delta to the British Invasion</a:t>
+            </a:r>
           </a:p>
         </p:txBody>
       </p:sp>
@@ -4921,8 +4910,45 @@
             </a:r>
             <a:r>
               <a:rPr lang="en-US" sz="3200" dirty="0"/>
-              <a:t>(written by C. Wesley, mid-1700s)</a:t>
-            </a:r>
+              <a:t>(written by C. Wesley, mid-1700s) </a:t>
+            </a:r>
+            <a:r>
+              <a:rPr lang="en-US" sz="3200" dirty="0">
+                <a:solidFill>
+                  <a:schemeClr val="tx2">
+                    <a:lumMod val="25000"/>
+                  </a:schemeClr>
+                </a:solidFill>
+              </a:rPr>
+              <a:t>[</a:t>
+            </a:r>
+            <a:r>
+              <a:rPr lang="en-US" sz="3200" dirty="0">
+                <a:solidFill>
+                  <a:schemeClr val="tx2">
+                    <a:lumMod val="25000"/>
+                  </a:schemeClr>
+                </a:solidFill>
+                <a:effectLst>
+                  <a:glow rad="127000">
+                    <a:schemeClr val="accent3"/>
+                  </a:glow>
+                </a:effectLst>
+                <a:hlinkClick r:id="rId4"/>
+              </a:rPr>
+              <a:t>link</a:t>
+            </a:r>
+            <a:r>
+              <a:rPr lang="en-US" sz="3200" dirty="0">
+                <a:solidFill>
+                  <a:schemeClr val="tx2">
+                    <a:lumMod val="25000"/>
+                  </a:schemeClr>
+                </a:solidFill>
+              </a:rPr>
+              <a:t>]</a:t>
+            </a:r>
+            <a:endParaRPr lang="en-US" sz="3200" dirty="0"/>
           </a:p>
         </p:txBody>
       </p:sp>
@@ -5516,7 +5542,7 @@
           <a:p>
             <a:r>
               <a:rPr lang="en-US" dirty="0"/>
-              <a:t>De jure racial segregation in southern states: “separate but equal”</a:t>
+              <a:t>De jure racial segregation in southern states: “separate but equal.”</a:t>
             </a:r>
           </a:p>
           <a:p>
@@ -7906,7 +7932,7 @@
             <a:pPr lvl="1"/>
             <a:r>
               <a:rPr lang="en-US" dirty="0"/>
-              <a:t>Only 388,000 shipped to North America (3,63%).</a:t>
+              <a:t>Only 388,000 shipped to North America (3.63%).</a:t>
             </a:r>
           </a:p>
           <a:p>
@@ -7920,7 +7946,7 @@
             <a:pPr lvl="1"/>
             <a:r>
               <a:rPr lang="en-US" dirty="0"/>
-              <a:t>But there were 4 million slaves by 1860.</a:t>
+              <a:t>But there were FOUR million slaves by 1860.</a:t>
             </a:r>
           </a:p>
           <a:p>
@@ -8161,7 +8187,7 @@
         </p:blipFill>
         <p:spPr>
           <a:xfrm>
-            <a:off x="482600" y="1495425"/>
+            <a:off x="482600" y="1514086"/>
             <a:ext cx="8178800" cy="4600575"/>
           </a:xfrm>
           <a:prstGeom prst="rect">
@@ -8179,7 +8205,12 @@
             <p:ph type="title"/>
           </p:nvPr>
         </p:nvSpPr>
-        <p:spPr/>
+        <p:spPr>
+          <a:xfrm>
+            <a:off x="457200" y="133739"/>
+            <a:ext cx="8229600" cy="1219200"/>
+          </a:xfrm>
+        </p:spPr>
         <p:txBody>
           <a:bodyPr>
             <a:normAutofit fontScale="90000"/>
@@ -8289,44 +8320,6 @@
             </a:r>
           </a:p>
           <a:p>
-            <a:r>
-              <a:rPr lang="en-US" dirty="0">
-                <a:solidFill>
-                  <a:schemeClr val="tx2">
-                    <a:lumMod val="25000"/>
-                  </a:schemeClr>
-                </a:solidFill>
-              </a:rPr>
-              <a:t>Led to Negro spiritual: ‘Roll, Jordan, Roll’ [</a:t>
-            </a:r>
-            <a:r>
-              <a:rPr lang="en-US" dirty="0">
-                <a:solidFill>
-                  <a:schemeClr val="tx2">
-                    <a:lumMod val="25000"/>
-                  </a:schemeClr>
-                </a:solidFill>
-                <a:effectLst>
-                  <a:glow rad="127000">
-                    <a:schemeClr val="accent3"/>
-                  </a:glow>
-                </a:effectLst>
-                <a:hlinkClick r:id="rId4"/>
-              </a:rPr>
-              <a:t>link</a:t>
-            </a:r>
-            <a:r>
-              <a:rPr lang="en-US" dirty="0">
-                <a:solidFill>
-                  <a:schemeClr val="tx2">
-                    <a:lumMod val="25000"/>
-                  </a:schemeClr>
-                </a:solidFill>
-              </a:rPr>
-              <a:t>].</a:t>
-            </a:r>
-          </a:p>
-          <a:p>
             <a:pPr marL="0" indent="0">
               <a:buNone/>
             </a:pPr>
@@ -8384,7 +8377,7 @@
           <p:nvPr/>
         </p:nvPicPr>
         <p:blipFill>
-          <a:blip r:embed="rId5">
+          <a:blip r:embed="rId4">
             <a:extLst>
               <a:ext uri="{28A0092B-C50C-407E-A947-70E740481C1C}">
                 <a14:useLocalDpi xmlns:a14="http://schemas.microsoft.com/office/drawing/2010/main" val="0"/>

--- a/ASMU432/ppts/History_Rock_Intro.pptx
+++ b/ASMU432/ppts/History_Rock_Intro.pptx
@@ -234,7 +234,7 @@
             <a:fld id="{E28287AA-0D99-42CE-A71B-10FA9908BBF8}" type="datetimeFigureOut">
               <a:rPr lang="en-US" smtClean="0"/>
               <a:pPr/>
-              <a:t>9/23/2018</a:t>
+              <a:t>9/11/2019</a:t>
             </a:fld>
             <a:endParaRPr lang="en-US"/>
           </a:p>
@@ -1855,7 +1855,7 @@
             <a:fld id="{DCFA480D-CB17-4C49-BB2A-C7514E1C7CEA}" type="datetimeFigureOut">
               <a:rPr lang="en-US" smtClean="0"/>
               <a:pPr/>
-              <a:t>9/23/2018</a:t>
+              <a:t>9/11/2019</a:t>
             </a:fld>
             <a:endParaRPr lang="en-US"/>
           </a:p>
@@ -2021,7 +2021,7 @@
             <a:fld id="{DCFA480D-CB17-4C49-BB2A-C7514E1C7CEA}" type="datetimeFigureOut">
               <a:rPr lang="en-US" smtClean="0"/>
               <a:pPr/>
-              <a:t>9/23/2018</a:t>
+              <a:t>9/11/2019</a:t>
             </a:fld>
             <a:endParaRPr lang="en-US"/>
           </a:p>
@@ -2196,7 +2196,7 @@
             <a:fld id="{DCFA480D-CB17-4C49-BB2A-C7514E1C7CEA}" type="datetimeFigureOut">
               <a:rPr lang="en-US" smtClean="0"/>
               <a:pPr/>
-              <a:t>9/23/2018</a:t>
+              <a:t>9/11/2019</a:t>
             </a:fld>
             <a:endParaRPr lang="en-US"/>
           </a:p>
@@ -2345,7 +2345,7 @@
             <a:fld id="{DCFA480D-CB17-4C49-BB2A-C7514E1C7CEA}" type="datetimeFigureOut">
               <a:rPr lang="en-US" smtClean="0"/>
               <a:pPr/>
-              <a:t>9/23/2018</a:t>
+              <a:t>9/11/2019</a:t>
             </a:fld>
             <a:endParaRPr lang="en-US"/>
           </a:p>
@@ -2469,7 +2469,7 @@
             <a:fld id="{DCFA480D-CB17-4C49-BB2A-C7514E1C7CEA}" type="datetimeFigureOut">
               <a:rPr lang="en-US" smtClean="0"/>
               <a:pPr/>
-              <a:t>9/23/2018</a:t>
+              <a:t>9/11/2019</a:t>
             </a:fld>
             <a:endParaRPr lang="en-US" dirty="0"/>
           </a:p>
@@ -2741,7 +2741,7 @@
             <a:fld id="{DCFA480D-CB17-4C49-BB2A-C7514E1C7CEA}" type="datetimeFigureOut">
               <a:rPr lang="en-US" smtClean="0"/>
               <a:pPr/>
-              <a:t>9/23/2018</a:t>
+              <a:t>9/11/2019</a:t>
             </a:fld>
             <a:endParaRPr lang="en-US" dirty="0"/>
           </a:p>
@@ -3013,7 +3013,7 @@
             <a:fld id="{DCFA480D-CB17-4C49-BB2A-C7514E1C7CEA}" type="datetimeFigureOut">
               <a:rPr lang="en-US" smtClean="0"/>
               <a:pPr/>
-              <a:t>9/23/2018</a:t>
+              <a:t>9/11/2019</a:t>
             </a:fld>
             <a:endParaRPr lang="en-US" dirty="0"/>
           </a:p>
@@ -3461,7 +3461,7 @@
             <a:fld id="{DCFA480D-CB17-4C49-BB2A-C7514E1C7CEA}" type="datetimeFigureOut">
               <a:rPr lang="en-US" smtClean="0"/>
               <a:pPr/>
-              <a:t>9/23/2018</a:t>
+              <a:t>9/11/2019</a:t>
             </a:fld>
             <a:endParaRPr lang="en-US" dirty="0"/>
           </a:p>
@@ -3576,7 +3576,7 @@
             <a:fld id="{DCFA480D-CB17-4C49-BB2A-C7514E1C7CEA}" type="datetimeFigureOut">
               <a:rPr lang="en-US" smtClean="0"/>
               <a:pPr/>
-              <a:t>9/23/2018</a:t>
+              <a:t>9/11/2019</a:t>
             </a:fld>
             <a:endParaRPr lang="en-US" dirty="0"/>
           </a:p>
@@ -3828,7 +3828,7 @@
             <a:fld id="{DCFA480D-CB17-4C49-BB2A-C7514E1C7CEA}" type="datetimeFigureOut">
               <a:rPr lang="en-US" smtClean="0"/>
               <a:pPr/>
-              <a:t>9/23/2018</a:t>
+              <a:t>9/11/2019</a:t>
             </a:fld>
             <a:endParaRPr lang="en-US"/>
           </a:p>
@@ -4071,7 +4071,7 @@
             <a:fld id="{DCFA480D-CB17-4C49-BB2A-C7514E1C7CEA}" type="datetimeFigureOut">
               <a:rPr lang="en-US" smtClean="0"/>
               <a:pPr/>
-              <a:t>9/23/2018</a:t>
+              <a:t>9/11/2019</a:t>
             </a:fld>
             <a:endParaRPr lang="en-US"/>
           </a:p>
@@ -4247,7 +4247,7 @@
             <a:fld id="{DCFA480D-CB17-4C49-BB2A-C7514E1C7CEA}" type="datetimeFigureOut">
               <a:rPr lang="en-US" smtClean="0"/>
               <a:pPr/>
-              <a:t>9/23/2018</a:t>
+              <a:t>9/11/2019</a:t>
             </a:fld>
             <a:endParaRPr lang="en-US" sz="1200" dirty="0">
               <a:solidFill>
@@ -4758,12 +4758,7 @@
             <p:ph type="subTitle" idx="1"/>
           </p:nvPr>
         </p:nvSpPr>
-        <p:spPr>
-          <a:xfrm>
-            <a:off x="419100" y="5029200"/>
-            <a:ext cx="8305800" cy="1143000"/>
-          </a:xfrm>
-        </p:spPr>
+        <p:spPr/>
         <p:txBody>
           <a:bodyPr/>
           <a:lstStyle/>
@@ -4793,41 +4788,53 @@
         </p:nvSpPr>
         <p:spPr>
           <a:xfrm>
-            <a:off x="419100" y="228600"/>
-            <a:ext cx="8420100" cy="3048000"/>
+            <a:off x="457200" y="304800"/>
+            <a:ext cx="8305800" cy="3110132"/>
           </a:xfrm>
         </p:spPr>
         <p:txBody>
           <a:bodyPr/>
           <a:lstStyle/>
           <a:p>
-            <a:pPr fontAlgn="t"/>
-            <a:r>
-              <a:rPr lang="en-US" sz="4400" b="1" dirty="0">
+            <a:r>
+              <a:rPr lang="en-US" sz="6600" b="1" dirty="0">
                 <a:solidFill>
-                  <a:srgbClr val="C00000"/>
+                  <a:schemeClr val="bg1"/>
+                </a:solidFill>
+              </a:rPr>
+              <a:t>HSTR 121: </a:t>
+            </a:r>
+            <a:r>
+              <a:rPr lang="en-US" b="1" dirty="0">
+                <a:solidFill>
+                  <a:schemeClr val="bg1"/>
                 </a:solidFill>
                 <a:effectLst/>
               </a:rPr>
-              <a:t>ASMU432: A History of Rock and Roll:</a:t>
+              <a:t>History, Music and the American Century </a:t>
             </a:r>
             <a:br>
-              <a:rPr lang="en-US" sz="4400" b="1" dirty="0">
+              <a:rPr lang="en-US" b="1" dirty="0">
                 <a:solidFill>
-                  <a:srgbClr val="C00000"/>
+                  <a:schemeClr val="bg1"/>
                 </a:solidFill>
                 <a:effectLst/>
               </a:rPr>
             </a:br>
             <a:r>
-              <a:rPr lang="en-US" sz="4400" b="1" dirty="0">
+              <a:rPr lang="en-US" b="1" dirty="0">
                 <a:solidFill>
-                  <a:srgbClr val="C00000"/>
+                  <a:schemeClr val="bg1"/>
                 </a:solidFill>
                 <a:effectLst/>
               </a:rPr>
-              <a:t>From the Mississippi Delta to the British Invasion</a:t>
-            </a:r>
+              <a:t>(counter-culture and capitalism)</a:t>
+            </a:r>
+            <a:endParaRPr lang="en-US" sz="6600" b="1" dirty="0">
+              <a:solidFill>
+                <a:schemeClr val="bg1"/>
+              </a:solidFill>
+            </a:endParaRPr>
           </a:p>
         </p:txBody>
       </p:sp>
@@ -4910,45 +4917,8 @@
             </a:r>
             <a:r>
               <a:rPr lang="en-US" sz="3200" dirty="0"/>
-              <a:t>(written by C. Wesley, mid-1700s) </a:t>
-            </a:r>
-            <a:r>
-              <a:rPr lang="en-US" sz="3200" dirty="0">
-                <a:solidFill>
-                  <a:schemeClr val="tx2">
-                    <a:lumMod val="25000"/>
-                  </a:schemeClr>
-                </a:solidFill>
-              </a:rPr>
-              <a:t>[</a:t>
-            </a:r>
-            <a:r>
-              <a:rPr lang="en-US" sz="3200" dirty="0">
-                <a:solidFill>
-                  <a:schemeClr val="tx2">
-                    <a:lumMod val="25000"/>
-                  </a:schemeClr>
-                </a:solidFill>
-                <a:effectLst>
-                  <a:glow rad="127000">
-                    <a:schemeClr val="accent3"/>
-                  </a:glow>
-                </a:effectLst>
-                <a:hlinkClick r:id="rId4"/>
-              </a:rPr>
-              <a:t>link</a:t>
-            </a:r>
-            <a:r>
-              <a:rPr lang="en-US" sz="3200" dirty="0">
-                <a:solidFill>
-                  <a:schemeClr val="tx2">
-                    <a:lumMod val="25000"/>
-                  </a:schemeClr>
-                </a:solidFill>
-              </a:rPr>
-              <a:t>]</a:t>
-            </a:r>
-            <a:endParaRPr lang="en-US" sz="3200" dirty="0"/>
+              <a:t>(written by C. Wesley, mid-1700s)</a:t>
+            </a:r>
           </a:p>
         </p:txBody>
       </p:sp>
@@ -5049,35 +5019,6 @@
             <a:endParaRPr lang="en-US" sz="2400" dirty="0">
               <a:latin typeface="+mn-lt"/>
             </a:endParaRPr>
-          </a:p>
-        </p:txBody>
-      </p:sp>
-      <p:sp>
-        <p:nvSpPr>
-          <p:cNvPr id="5" name="TextBox 4"/>
-          <p:cNvSpPr txBox="1"/>
-          <p:nvPr/>
-        </p:nvSpPr>
-        <p:spPr>
-          <a:xfrm>
-            <a:off x="553974" y="4419600"/>
-            <a:ext cx="7904226" cy="954107"/>
-          </a:xfrm>
-          <a:prstGeom prst="rect">
-            <a:avLst/>
-          </a:prstGeom>
-          <a:noFill/>
-        </p:spPr>
-        <p:txBody>
-          <a:bodyPr wrap="square" rtlCol="0">
-            <a:spAutoFit/>
-          </a:bodyPr>
-          <a:lstStyle/>
-          <a:p>
-            <a:r>
-              <a:rPr lang="en-US" sz="2800" dirty="0"/>
-              <a:t>Is this the origin of the commercialization of African-American Music?</a:t>
-            </a:r>
           </a:p>
         </p:txBody>
       </p:sp>
@@ -5542,7 +5483,7 @@
           <a:p>
             <a:r>
               <a:rPr lang="en-US" dirty="0"/>
-              <a:t>De jure racial segregation in southern states: “separate but equal.”</a:t>
+              <a:t>De jure racial segregation in southern states: “separate but equal”</a:t>
             </a:r>
           </a:p>
           <a:p>
@@ -5919,8 +5860,8 @@
         </p:nvSpPr>
         <p:spPr>
           <a:xfrm>
-            <a:off x="457200" y="1524000"/>
-            <a:ext cx="5943600" cy="4572000"/>
+            <a:off x="457200" y="1447800"/>
+            <a:ext cx="5943600" cy="4648200"/>
           </a:xfrm>
         </p:spPr>
         <p:txBody>
@@ -5975,12 +5916,12 @@
           <a:p>
             <a:pPr lvl="1"/>
             <a:r>
-              <a:rPr lang="en-US" dirty="0">
+              <a:rPr lang="en-CA" dirty="0">
                 <a:hlinkClick r:id="rId3"/>
               </a:rPr>
-              <a:t>https://www.youtube.com/watch?v=JZ1zOarIoEA</a:t>
-            </a:r>
-            <a:endParaRPr lang="en-US" dirty="0"/>
+              <a:t>https://www.youtube.com/watch?v=DJpd24zANAE</a:t>
+            </a:r>
+            <a:endParaRPr lang="en-CA" dirty="0"/>
           </a:p>
           <a:p>
             <a:r>
@@ -6178,12 +6119,12 @@
         </p:spPr>
         <p:txBody>
           <a:bodyPr>
-            <a:normAutofit/>
+            <a:normAutofit lnSpcReduction="10000"/>
           </a:bodyPr>
           <a:lstStyle/>
           <a:p>
             <a:r>
-              <a:rPr lang="en-US" b="1" dirty="0">
+              <a:rPr lang="en-US" sz="2800" b="1" dirty="0">
                 <a:solidFill>
                   <a:srgbClr val="002060"/>
                 </a:solidFill>
@@ -6201,46 +6142,46 @@
           <a:p>
             <a:pPr lvl="1"/>
             <a:r>
-              <a:rPr lang="en-US" dirty="0"/>
+              <a:rPr lang="en-US" sz="2800" dirty="0"/>
               <a:t>Itinerant, tragic personal life</a:t>
             </a:r>
           </a:p>
           <a:p>
             <a:pPr lvl="1"/>
             <a:r>
-              <a:rPr lang="en-US" dirty="0"/>
+              <a:rPr lang="en-US" sz="2800" dirty="0"/>
               <a:t>Lots of legends</a:t>
             </a:r>
           </a:p>
           <a:p>
             <a:pPr lvl="1"/>
             <a:r>
-              <a:rPr lang="en-US" dirty="0"/>
+              <a:rPr lang="en-US" sz="2800" dirty="0"/>
               <a:t>Juke joints performer</a:t>
             </a:r>
           </a:p>
           <a:p>
             <a:pPr lvl="1"/>
             <a:r>
-              <a:rPr lang="en-US" dirty="0"/>
+              <a:rPr lang="en-US" sz="2800" dirty="0"/>
               <a:t>“Crossroads”, “Sweet Home Chicago”</a:t>
             </a:r>
           </a:p>
           <a:p>
             <a:pPr lvl="1"/>
             <a:r>
-              <a:rPr lang="en-US" i="1" dirty="0"/>
+              <a:rPr lang="en-US" sz="2800" i="1" dirty="0"/>
               <a:t>King of the Delta Blues Singers </a:t>
             </a:r>
             <a:r>
-              <a:rPr lang="en-US" dirty="0"/>
+              <a:rPr lang="en-US" sz="2800" dirty="0"/>
               <a:t>(compiled and released in 1961).</a:t>
             </a:r>
           </a:p>
           <a:p>
             <a:pPr lvl="1"/>
             <a:r>
-              <a:rPr lang="en-US" dirty="0"/>
+              <a:rPr lang="en-US" sz="2800" dirty="0"/>
               <a:t>Died young, poisoned at a Juke Joint.</a:t>
             </a:r>
           </a:p>
@@ -6364,7 +6305,7 @@
         </p:spPr>
         <p:txBody>
           <a:bodyPr>
-            <a:normAutofit lnSpcReduction="10000"/>
+            <a:normAutofit fontScale="92500" lnSpcReduction="20000"/>
           </a:bodyPr>
           <a:lstStyle/>
           <a:p>
@@ -6406,9 +6347,30 @@
             </a:r>
           </a:p>
           <a:p>
-            <a:endParaRPr lang="en-US" dirty="0"/>
-          </a:p>
-          <a:p>
+            <a:pPr lvl="1"/>
+            <a:r>
+              <a:rPr lang="en-US" dirty="0"/>
+              <a:t>Noises organized together with creative intent.</a:t>
+            </a:r>
+          </a:p>
+          <a:p>
+            <a:pPr lvl="1"/>
+            <a:r>
+              <a:rPr lang="en-US" dirty="0"/>
+              <a:t>Electric guitar and strong beat</a:t>
+            </a:r>
+          </a:p>
+          <a:p>
+            <a:pPr lvl="1"/>
+            <a:r>
+              <a:rPr lang="en-US" dirty="0"/>
+              <a:t>Challenges existing ideas and even the current idea of what it is.</a:t>
+            </a:r>
+          </a:p>
+          <a:p>
+            <a:pPr marL="0" indent="0">
+              <a:buNone/>
+            </a:pPr>
             <a:endParaRPr lang="en-US" dirty="0"/>
           </a:p>
           <a:p>
@@ -6889,7 +6851,7 @@
         </p:blipFill>
         <p:spPr>
           <a:xfrm>
-            <a:off x="3886200" y="3565033"/>
+            <a:off x="3886200" y="3600450"/>
             <a:ext cx="4572000" cy="2571750"/>
           </a:xfrm>
           <a:prstGeom prst="rect">
@@ -7128,7 +7090,7 @@
           <a:p>
             <a:r>
               <a:rPr lang="en-US" dirty="0"/>
-              <a:t>First hit was “Rock me” [</a:t>
+              <a:t>1938: First hit was “Rock me” [</a:t>
             </a:r>
             <a:r>
               <a:rPr lang="en-US" dirty="0">
@@ -7143,15 +7105,10 @@
           </a:p>
           <a:p>
             <a:r>
-              <a:rPr lang="en-US" dirty="0"/>
+              <a:rPr lang="en-US"/>
               <a:t>Carnegie Hall</a:t>
             </a:r>
-          </a:p>
-          <a:p>
-            <a:r>
-              <a:rPr lang="en-US" dirty="0"/>
-              <a:t>Cab Calloway</a:t>
-            </a:r>
+            <a:endParaRPr lang="en-US" dirty="0"/>
           </a:p>
         </p:txBody>
       </p:sp>
@@ -7911,6 +7868,33 @@
           <a:p>
             <a:r>
               <a:rPr lang="en-US" dirty="0"/>
+              <a:t>Slavery: </a:t>
+            </a:r>
+          </a:p>
+          <a:p>
+            <a:pPr lvl="1"/>
+            <a:r>
+              <a:rPr lang="en-US" dirty="0"/>
+              <a:t>ancient institution</a:t>
+            </a:r>
+          </a:p>
+          <a:p>
+            <a:pPr lvl="1"/>
+            <a:r>
+              <a:rPr lang="en-US" dirty="0"/>
+              <a:t>American slavery particularly oppressive, brutal, and crucial to the cash crop economy of new world (cotton gin).</a:t>
+            </a:r>
+          </a:p>
+          <a:p>
+            <a:pPr lvl="1"/>
+            <a:r>
+              <a:rPr lang="en-US" dirty="0"/>
+              <a:t>Embedded racism in the minds of European settlers and offspring.</a:t>
+            </a:r>
+          </a:p>
+          <a:p>
+            <a:r>
+              <a:rPr lang="en-US" dirty="0"/>
               <a:t>Trans-Atlantic Slave Trade:</a:t>
             </a:r>
           </a:p>
@@ -7946,34 +7930,7 @@
             <a:pPr lvl="1"/>
             <a:r>
               <a:rPr lang="en-US" dirty="0"/>
-              <a:t>But there were FOUR million slaves by 1860.</a:t>
-            </a:r>
-          </a:p>
-          <a:p>
-            <a:r>
-              <a:rPr lang="en-US" dirty="0"/>
-              <a:t>Slavery: </a:t>
-            </a:r>
-          </a:p>
-          <a:p>
-            <a:pPr lvl="1"/>
-            <a:r>
-              <a:rPr lang="en-US" dirty="0"/>
-              <a:t>ancient institution</a:t>
-            </a:r>
-          </a:p>
-          <a:p>
-            <a:pPr lvl="1"/>
-            <a:r>
-              <a:rPr lang="en-US" dirty="0"/>
-              <a:t>American slavery particularly oppressive, brutal, and crucial to the cash crop economy of new world (cotton gin).</a:t>
-            </a:r>
-          </a:p>
-          <a:p>
-            <a:pPr lvl="1"/>
-            <a:r>
-              <a:rPr lang="en-US" dirty="0"/>
-              <a:t>Embedded racism in the minds of European settlers and offspring.</a:t>
+              <a:t>But there were four million slaves by 1860.</a:t>
             </a:r>
           </a:p>
           <a:p>
@@ -8187,7 +8144,7 @@
         </p:blipFill>
         <p:spPr>
           <a:xfrm>
-            <a:off x="482600" y="1514086"/>
+            <a:off x="482600" y="1495425"/>
             <a:ext cx="8178800" cy="4600575"/>
           </a:xfrm>
           <a:prstGeom prst="rect">
@@ -8205,12 +8162,7 @@
             <p:ph type="title"/>
           </p:nvPr>
         </p:nvSpPr>
-        <p:spPr>
-          <a:xfrm>
-            <a:off x="457200" y="133739"/>
-            <a:ext cx="8229600" cy="1219200"/>
-          </a:xfrm>
-        </p:spPr>
+        <p:spPr/>
         <p:txBody>
           <a:bodyPr>
             <a:normAutofit fontScale="90000"/>
@@ -8320,6 +8272,44 @@
             </a:r>
           </a:p>
           <a:p>
+            <a:r>
+              <a:rPr lang="en-US" dirty="0">
+                <a:solidFill>
+                  <a:schemeClr val="tx2">
+                    <a:lumMod val="25000"/>
+                  </a:schemeClr>
+                </a:solidFill>
+              </a:rPr>
+              <a:t>Led to Negro spiritual: ‘Roll, Jordan, Roll’ [</a:t>
+            </a:r>
+            <a:r>
+              <a:rPr lang="en-US" dirty="0">
+                <a:solidFill>
+                  <a:schemeClr val="tx2">
+                    <a:lumMod val="25000"/>
+                  </a:schemeClr>
+                </a:solidFill>
+                <a:effectLst>
+                  <a:glow rad="127000">
+                    <a:schemeClr val="accent3"/>
+                  </a:glow>
+                </a:effectLst>
+                <a:hlinkClick r:id="rId4"/>
+              </a:rPr>
+              <a:t>link</a:t>
+            </a:r>
+            <a:r>
+              <a:rPr lang="en-US" dirty="0">
+                <a:solidFill>
+                  <a:schemeClr val="tx2">
+                    <a:lumMod val="25000"/>
+                  </a:schemeClr>
+                </a:solidFill>
+              </a:rPr>
+              <a:t>].</a:t>
+            </a:r>
+          </a:p>
+          <a:p>
             <a:pPr marL="0" indent="0">
               <a:buNone/>
             </a:pPr>
@@ -8377,7 +8367,7 @@
           <p:nvPr/>
         </p:nvPicPr>
         <p:blipFill>
-          <a:blip r:embed="rId4">
+          <a:blip r:embed="rId5">
             <a:extLst>
               <a:ext uri="{28A0092B-C50C-407E-A947-70E740481C1C}">
                 <a14:useLocalDpi xmlns:a14="http://schemas.microsoft.com/office/drawing/2010/main" val="0"/>
